--- a/images/explicationsanglees.pptx
+++ b/images/explicationsanglees.pptx
@@ -11,6 +11,10 @@
     <p:sldId id="259" r:id="rId5"/>
     <p:sldId id="260" r:id="rId6"/>
     <p:sldId id="261" r:id="rId7"/>
+    <p:sldId id="262" r:id="rId8"/>
+    <p:sldId id="263" r:id="rId9"/>
+    <p:sldId id="264" r:id="rId10"/>
+    <p:sldId id="265" r:id="rId11"/>
   </p:sldIdLst>
   <p:sldSz cx="12192000" cy="6858000"/>
   <p:notesSz cx="6858000" cy="9144000"/>
@@ -109,6 +113,11 @@
       </a:defRPr>
     </a:lvl9pPr>
   </p:defaultTextStyle>
+  <p:extLst>
+    <p:ext uri="{EFAFB233-063F-42B5-8137-9DF3F51BA10A}">
+      <p15:sldGuideLst xmlns:p15="http://schemas.microsoft.com/office/powerpoint/2012/main"/>
+    </p:ext>
+  </p:extLst>
 </p:presentation>
 </file>
 
@@ -3699,6 +3708,119 @@
 </p:sld>
 </file>
 
+<file path=ppt/slides/slide10.xml><?xml version="1.0" encoding="utf-8"?>
+<p:sld xmlns:a="http://schemas.openxmlformats.org/drawingml/2006/main" xmlns:r="http://schemas.openxmlformats.org/officeDocument/2006/relationships" xmlns:p="http://schemas.openxmlformats.org/presentationml/2006/main">
+  <p:cSld>
+    <p:spTree>
+      <p:nvGrpSpPr>
+        <p:cNvPr id="1" name="">
+          <a:extLst>
+            <a:ext uri="{FF2B5EF4-FFF2-40B4-BE49-F238E27FC236}">
+              <a16:creationId xmlns:a16="http://schemas.microsoft.com/office/drawing/2014/main" id="{37CC48A8-E618-4516-B229-1FD7AF594293}"/>
+            </a:ext>
+          </a:extLst>
+        </p:cNvPr>
+        <p:cNvGrpSpPr/>
+        <p:nvPr/>
+      </p:nvGrpSpPr>
+      <p:grpSpPr>
+        <a:xfrm>
+          <a:off x="0" y="0"/>
+          <a:ext cx="0" cy="0"/>
+          <a:chOff x="0" y="0"/>
+          <a:chExt cx="0" cy="0"/>
+        </a:xfrm>
+      </p:grpSpPr>
+      <p:pic>
+        <p:nvPicPr>
+          <p:cNvPr id="5" name="Picture 4">
+            <a:extLst>
+              <a:ext uri="{FF2B5EF4-FFF2-40B4-BE49-F238E27FC236}">
+                <a16:creationId xmlns:a16="http://schemas.microsoft.com/office/drawing/2014/main" id="{A2A26E40-1046-748D-40DC-C08C56E18963}"/>
+              </a:ext>
+            </a:extLst>
+          </p:cNvPr>
+          <p:cNvPicPr>
+            <a:picLocks noChangeAspect="1"/>
+          </p:cNvPicPr>
+          <p:nvPr/>
+        </p:nvPicPr>
+        <p:blipFill>
+          <a:blip r:embed="rId2"/>
+          <a:stretch>
+            <a:fillRect/>
+          </a:stretch>
+        </p:blipFill>
+        <p:spPr>
+          <a:xfrm>
+            <a:off x="3557233" y="18574"/>
+            <a:ext cx="5077534" cy="6820852"/>
+          </a:xfrm>
+          <a:prstGeom prst="rect">
+            <a:avLst/>
+          </a:prstGeom>
+        </p:spPr>
+      </p:pic>
+      <p:pic>
+        <p:nvPicPr>
+          <p:cNvPr id="6" name="Picture 2" descr="Curve Arrow, double arrow, Arrows icon">
+            <a:extLst>
+              <a:ext uri="{FF2B5EF4-FFF2-40B4-BE49-F238E27FC236}">
+                <a16:creationId xmlns:a16="http://schemas.microsoft.com/office/drawing/2014/main" id="{ECE25CAF-FE39-A871-2EB7-1F255EAC23BF}"/>
+              </a:ext>
+            </a:extLst>
+          </p:cNvPr>
+          <p:cNvPicPr>
+            <a:picLocks noChangeAspect="1" noChangeArrowheads="1"/>
+          </p:cNvPicPr>
+          <p:nvPr/>
+        </p:nvPicPr>
+        <p:blipFill>
+          <a:blip r:embed="rId3">
+            <a:extLst>
+              <a:ext uri="{28A0092B-C50C-407E-A947-70E740481C1C}">
+                <a14:useLocalDpi xmlns:a14="http://schemas.microsoft.com/office/drawing/2010/main" val="0"/>
+              </a:ext>
+            </a:extLst>
+          </a:blip>
+          <a:srcRect/>
+          <a:stretch>
+            <a:fillRect/>
+          </a:stretch>
+        </p:blipFill>
+        <p:spPr bwMode="auto">
+          <a:xfrm rot="9555740">
+            <a:off x="4591226" y="5293992"/>
+            <a:ext cx="614162" cy="614162"/>
+          </a:xfrm>
+          <a:prstGeom prst="rect">
+            <a:avLst/>
+          </a:prstGeom>
+          <a:noFill/>
+          <a:extLst>
+            <a:ext uri="{909E8E84-426E-40DD-AFC4-6F175D3DCCD1}">
+              <a14:hiddenFill xmlns:a14="http://schemas.microsoft.com/office/drawing/2010/main">
+                <a:solidFill>
+                  <a:srgbClr val="FFFFFF"/>
+                </a:solidFill>
+              </a14:hiddenFill>
+            </a:ext>
+          </a:extLst>
+        </p:spPr>
+      </p:pic>
+    </p:spTree>
+    <p:extLst>
+      <p:ext uri="{BB962C8B-B14F-4D97-AF65-F5344CB8AC3E}">
+        <p14:creationId xmlns:p14="http://schemas.microsoft.com/office/powerpoint/2010/main" val="1502943043"/>
+      </p:ext>
+    </p:extLst>
+  </p:cSld>
+  <p:clrMapOvr>
+    <a:masterClrMapping/>
+  </p:clrMapOvr>
+</p:sld>
+</file>
+
 <file path=ppt/slides/slide2.xml><?xml version="1.0" encoding="utf-8"?>
 <p:sld xmlns:a="http://schemas.openxmlformats.org/drawingml/2006/main" xmlns:r="http://schemas.openxmlformats.org/officeDocument/2006/relationships" xmlns:p="http://schemas.openxmlformats.org/presentationml/2006/main">
   <p:cSld>
@@ -5529,6 +5651,351 @@
     <p:extLst>
       <p:ext uri="{BB962C8B-B14F-4D97-AF65-F5344CB8AC3E}">
         <p14:creationId xmlns:p14="http://schemas.microsoft.com/office/powerpoint/2010/main" val="4293694007"/>
+      </p:ext>
+    </p:extLst>
+  </p:cSld>
+  <p:clrMapOvr>
+    <a:masterClrMapping/>
+  </p:clrMapOvr>
+</p:sld>
+</file>
+
+<file path=ppt/slides/slide7.xml><?xml version="1.0" encoding="utf-8"?>
+<p:sld xmlns:a="http://schemas.openxmlformats.org/drawingml/2006/main" xmlns:r="http://schemas.openxmlformats.org/officeDocument/2006/relationships" xmlns:p="http://schemas.openxmlformats.org/presentationml/2006/main">
+  <p:cSld>
+    <p:spTree>
+      <p:nvGrpSpPr>
+        <p:cNvPr id="1" name="">
+          <a:extLst>
+            <a:ext uri="{FF2B5EF4-FFF2-40B4-BE49-F238E27FC236}">
+              <a16:creationId xmlns:a16="http://schemas.microsoft.com/office/drawing/2014/main" id="{BB7FD0A6-212C-154C-686F-3D14C25707EF}"/>
+            </a:ext>
+          </a:extLst>
+        </p:cNvPr>
+        <p:cNvGrpSpPr/>
+        <p:nvPr/>
+      </p:nvGrpSpPr>
+      <p:grpSpPr>
+        <a:xfrm>
+          <a:off x="0" y="0"/>
+          <a:ext cx="0" cy="0"/>
+          <a:chOff x="0" y="0"/>
+          <a:chExt cx="0" cy="0"/>
+        </a:xfrm>
+      </p:grpSpPr>
+      <p:pic>
+        <p:nvPicPr>
+          <p:cNvPr id="5" name="Picture 4">
+            <a:extLst>
+              <a:ext uri="{FF2B5EF4-FFF2-40B4-BE49-F238E27FC236}">
+                <a16:creationId xmlns:a16="http://schemas.microsoft.com/office/drawing/2014/main" id="{E985ED87-195B-A10E-91C1-9065821B9A72}"/>
+              </a:ext>
+            </a:extLst>
+          </p:cNvPr>
+          <p:cNvPicPr>
+            <a:picLocks noChangeAspect="1"/>
+          </p:cNvPicPr>
+          <p:nvPr/>
+        </p:nvPicPr>
+        <p:blipFill>
+          <a:blip r:embed="rId2">
+            <a:extLst>
+              <a:ext uri="{28A0092B-C50C-407E-A947-70E740481C1C}">
+                <a14:useLocalDpi xmlns:a14="http://schemas.microsoft.com/office/drawing/2010/main" val="0"/>
+              </a:ext>
+            </a:extLst>
+          </a:blip>
+          <a:stretch>
+            <a:fillRect/>
+          </a:stretch>
+        </p:blipFill>
+        <p:spPr>
+          <a:xfrm>
+            <a:off x="3750078" y="0"/>
+            <a:ext cx="4691843" cy="6858000"/>
+          </a:xfrm>
+          <a:prstGeom prst="rect">
+            <a:avLst/>
+          </a:prstGeom>
+        </p:spPr>
+      </p:pic>
+      <p:pic>
+        <p:nvPicPr>
+          <p:cNvPr id="1026" name="Picture 2" descr="Curve Arrow, double arrow, Arrows icon">
+            <a:extLst>
+              <a:ext uri="{FF2B5EF4-FFF2-40B4-BE49-F238E27FC236}">
+                <a16:creationId xmlns:a16="http://schemas.microsoft.com/office/drawing/2014/main" id="{3DDFA275-58BE-CCE5-3275-740707FDDE10}"/>
+              </a:ext>
+            </a:extLst>
+          </p:cNvPr>
+          <p:cNvPicPr>
+            <a:picLocks noChangeAspect="1" noChangeArrowheads="1"/>
+          </p:cNvPicPr>
+          <p:nvPr/>
+        </p:nvPicPr>
+        <p:blipFill>
+          <a:blip r:embed="rId3">
+            <a:extLst>
+              <a:ext uri="{28A0092B-C50C-407E-A947-70E740481C1C}">
+                <a14:useLocalDpi xmlns:a14="http://schemas.microsoft.com/office/drawing/2010/main" val="0"/>
+              </a:ext>
+            </a:extLst>
+          </a:blip>
+          <a:srcRect/>
+          <a:stretch>
+            <a:fillRect/>
+          </a:stretch>
+        </p:blipFill>
+        <p:spPr bwMode="auto">
+          <a:xfrm rot="14556767">
+            <a:off x="6419281" y="5751192"/>
+            <a:ext cx="614162" cy="614162"/>
+          </a:xfrm>
+          <a:prstGeom prst="rect">
+            <a:avLst/>
+          </a:prstGeom>
+          <a:noFill/>
+          <a:extLst>
+            <a:ext uri="{909E8E84-426E-40DD-AFC4-6F175D3DCCD1}">
+              <a14:hiddenFill xmlns:a14="http://schemas.microsoft.com/office/drawing/2010/main">
+                <a:solidFill>
+                  <a:srgbClr val="FFFFFF"/>
+                </a:solidFill>
+              </a14:hiddenFill>
+            </a:ext>
+          </a:extLst>
+        </p:spPr>
+      </p:pic>
+    </p:spTree>
+    <p:extLst>
+      <p:ext uri="{BB962C8B-B14F-4D97-AF65-F5344CB8AC3E}">
+        <p14:creationId xmlns:p14="http://schemas.microsoft.com/office/powerpoint/2010/main" val="787781897"/>
+      </p:ext>
+    </p:extLst>
+  </p:cSld>
+  <p:clrMapOvr>
+    <a:masterClrMapping/>
+  </p:clrMapOvr>
+</p:sld>
+</file>
+
+<file path=ppt/slides/slide8.xml><?xml version="1.0" encoding="utf-8"?>
+<p:sld xmlns:a="http://schemas.openxmlformats.org/drawingml/2006/main" xmlns:r="http://schemas.openxmlformats.org/officeDocument/2006/relationships" xmlns:p="http://schemas.openxmlformats.org/presentationml/2006/main">
+  <p:cSld>
+    <p:spTree>
+      <p:nvGrpSpPr>
+        <p:cNvPr id="1" name="">
+          <a:extLst>
+            <a:ext uri="{FF2B5EF4-FFF2-40B4-BE49-F238E27FC236}">
+              <a16:creationId xmlns:a16="http://schemas.microsoft.com/office/drawing/2014/main" id="{E646C278-B0C4-1E64-355E-343A222D5B98}"/>
+            </a:ext>
+          </a:extLst>
+        </p:cNvPr>
+        <p:cNvGrpSpPr/>
+        <p:nvPr/>
+      </p:nvGrpSpPr>
+      <p:grpSpPr>
+        <a:xfrm>
+          <a:off x="0" y="0"/>
+          <a:ext cx="0" cy="0"/>
+          <a:chOff x="0" y="0"/>
+          <a:chExt cx="0" cy="0"/>
+        </a:xfrm>
+      </p:grpSpPr>
+      <p:pic>
+        <p:nvPicPr>
+          <p:cNvPr id="5" name="Picture 4">
+            <a:extLst>
+              <a:ext uri="{FF2B5EF4-FFF2-40B4-BE49-F238E27FC236}">
+                <a16:creationId xmlns:a16="http://schemas.microsoft.com/office/drawing/2014/main" id="{70E46697-D8D0-4324-A8C3-A6A218235003}"/>
+              </a:ext>
+            </a:extLst>
+          </p:cNvPr>
+          <p:cNvPicPr>
+            <a:picLocks noChangeAspect="1"/>
+          </p:cNvPicPr>
+          <p:nvPr/>
+        </p:nvPicPr>
+        <p:blipFill>
+          <a:blip r:embed="rId2">
+            <a:extLst>
+              <a:ext uri="{28A0092B-C50C-407E-A947-70E740481C1C}">
+                <a14:useLocalDpi xmlns:a14="http://schemas.microsoft.com/office/drawing/2010/main" val="0"/>
+              </a:ext>
+            </a:extLst>
+          </a:blip>
+          <a:stretch>
+            <a:fillRect/>
+          </a:stretch>
+        </p:blipFill>
+        <p:spPr>
+          <a:xfrm>
+            <a:off x="3750078" y="0"/>
+            <a:ext cx="4691843" cy="6858000"/>
+          </a:xfrm>
+          <a:prstGeom prst="rect">
+            <a:avLst/>
+          </a:prstGeom>
+        </p:spPr>
+      </p:pic>
+      <p:pic>
+        <p:nvPicPr>
+          <p:cNvPr id="1026" name="Picture 2" descr="Curve Arrow, double arrow, Arrows icon">
+            <a:extLst>
+              <a:ext uri="{FF2B5EF4-FFF2-40B4-BE49-F238E27FC236}">
+                <a16:creationId xmlns:a16="http://schemas.microsoft.com/office/drawing/2014/main" id="{F380F881-A7DC-EFB7-9CEF-D9E560AAA17E}"/>
+              </a:ext>
+            </a:extLst>
+          </p:cNvPr>
+          <p:cNvPicPr>
+            <a:picLocks noChangeAspect="1" noChangeArrowheads="1"/>
+          </p:cNvPicPr>
+          <p:nvPr/>
+        </p:nvPicPr>
+        <p:blipFill>
+          <a:blip r:embed="rId3">
+            <a:extLst>
+              <a:ext uri="{28A0092B-C50C-407E-A947-70E740481C1C}">
+                <a14:useLocalDpi xmlns:a14="http://schemas.microsoft.com/office/drawing/2010/main" val="0"/>
+              </a:ext>
+            </a:extLst>
+          </a:blip>
+          <a:srcRect/>
+          <a:stretch>
+            <a:fillRect/>
+          </a:stretch>
+        </p:blipFill>
+        <p:spPr bwMode="auto">
+          <a:xfrm rot="14556767">
+            <a:off x="5374997" y="3297241"/>
+            <a:ext cx="614162" cy="614162"/>
+          </a:xfrm>
+          <a:prstGeom prst="rect">
+            <a:avLst/>
+          </a:prstGeom>
+          <a:noFill/>
+          <a:extLst>
+            <a:ext uri="{909E8E84-426E-40DD-AFC4-6F175D3DCCD1}">
+              <a14:hiddenFill xmlns:a14="http://schemas.microsoft.com/office/drawing/2010/main">
+                <a:solidFill>
+                  <a:srgbClr val="FFFFFF"/>
+                </a:solidFill>
+              </a14:hiddenFill>
+            </a:ext>
+          </a:extLst>
+        </p:spPr>
+      </p:pic>
+    </p:spTree>
+    <p:extLst>
+      <p:ext uri="{BB962C8B-B14F-4D97-AF65-F5344CB8AC3E}">
+        <p14:creationId xmlns:p14="http://schemas.microsoft.com/office/powerpoint/2010/main" val="1221700818"/>
+      </p:ext>
+    </p:extLst>
+  </p:cSld>
+  <p:clrMapOvr>
+    <a:masterClrMapping/>
+  </p:clrMapOvr>
+</p:sld>
+</file>
+
+<file path=ppt/slides/slide9.xml><?xml version="1.0" encoding="utf-8"?>
+<p:sld xmlns:a="http://schemas.openxmlformats.org/drawingml/2006/main" xmlns:r="http://schemas.openxmlformats.org/officeDocument/2006/relationships" xmlns:p="http://schemas.openxmlformats.org/presentationml/2006/main">
+  <p:cSld>
+    <p:spTree>
+      <p:nvGrpSpPr>
+        <p:cNvPr id="1" name=""/>
+        <p:cNvGrpSpPr/>
+        <p:nvPr/>
+      </p:nvGrpSpPr>
+      <p:grpSpPr>
+        <a:xfrm>
+          <a:off x="0" y="0"/>
+          <a:ext cx="0" cy="0"/>
+          <a:chOff x="0" y="0"/>
+          <a:chExt cx="0" cy="0"/>
+        </a:xfrm>
+      </p:grpSpPr>
+      <p:pic>
+        <p:nvPicPr>
+          <p:cNvPr id="5" name="Picture 4">
+            <a:extLst>
+              <a:ext uri="{FF2B5EF4-FFF2-40B4-BE49-F238E27FC236}">
+                <a16:creationId xmlns:a16="http://schemas.microsoft.com/office/drawing/2014/main" id="{E881F02E-674D-B486-E394-361B686CFEFD}"/>
+              </a:ext>
+            </a:extLst>
+          </p:cNvPr>
+          <p:cNvPicPr>
+            <a:picLocks noChangeAspect="1"/>
+          </p:cNvPicPr>
+          <p:nvPr/>
+        </p:nvPicPr>
+        <p:blipFill>
+          <a:blip r:embed="rId2"/>
+          <a:stretch>
+            <a:fillRect/>
+          </a:stretch>
+        </p:blipFill>
+        <p:spPr>
+          <a:xfrm>
+            <a:off x="3557233" y="18574"/>
+            <a:ext cx="5077534" cy="6820852"/>
+          </a:xfrm>
+          <a:prstGeom prst="rect">
+            <a:avLst/>
+          </a:prstGeom>
+        </p:spPr>
+      </p:pic>
+      <p:pic>
+        <p:nvPicPr>
+          <p:cNvPr id="6" name="Picture 2" descr="Curve Arrow, double arrow, Arrows icon">
+            <a:extLst>
+              <a:ext uri="{FF2B5EF4-FFF2-40B4-BE49-F238E27FC236}">
+                <a16:creationId xmlns:a16="http://schemas.microsoft.com/office/drawing/2014/main" id="{27B93B4F-80AE-6AED-E466-DADB92A6ACD2}"/>
+              </a:ext>
+            </a:extLst>
+          </p:cNvPr>
+          <p:cNvPicPr>
+            <a:picLocks noChangeAspect="1" noChangeArrowheads="1"/>
+          </p:cNvPicPr>
+          <p:nvPr/>
+        </p:nvPicPr>
+        <p:blipFill>
+          <a:blip r:embed="rId3">
+            <a:extLst>
+              <a:ext uri="{28A0092B-C50C-407E-A947-70E740481C1C}">
+                <a14:useLocalDpi xmlns:a14="http://schemas.microsoft.com/office/drawing/2010/main" val="0"/>
+              </a:ext>
+            </a:extLst>
+          </a:blip>
+          <a:srcRect/>
+          <a:stretch>
+            <a:fillRect/>
+          </a:stretch>
+        </p:blipFill>
+        <p:spPr bwMode="auto">
+          <a:xfrm rot="9754720">
+            <a:off x="5057756" y="3278581"/>
+            <a:ext cx="614162" cy="614162"/>
+          </a:xfrm>
+          <a:prstGeom prst="rect">
+            <a:avLst/>
+          </a:prstGeom>
+          <a:noFill/>
+          <a:extLst>
+            <a:ext uri="{909E8E84-426E-40DD-AFC4-6F175D3DCCD1}">
+              <a14:hiddenFill xmlns:a14="http://schemas.microsoft.com/office/drawing/2010/main">
+                <a:solidFill>
+                  <a:srgbClr val="FFFFFF"/>
+                </a:solidFill>
+              </a14:hiddenFill>
+            </a:ext>
+          </a:extLst>
+        </p:spPr>
+      </p:pic>
+    </p:spTree>
+    <p:extLst>
+      <p:ext uri="{BB962C8B-B14F-4D97-AF65-F5344CB8AC3E}">
+        <p14:creationId xmlns:p14="http://schemas.microsoft.com/office/powerpoint/2010/main" val="1133717747"/>
       </p:ext>
     </p:extLst>
   </p:cSld>
